--- a/Presentation Project.pptx
+++ b/Presentation Project.pptx
@@ -541,7 +541,7 @@
           <a:p>
             <a:fld id="{0CEC7AB2-AA32-4998-AA84-6A80E9F12CF8}" type="datetimeFigureOut">
               <a:rPr lang="en-US" smtClean="0"/>
-              <a:t>12/04/21</a:t>
+              <a:t>19/04/21</a:t>
             </a:fld>
             <a:endParaRPr lang="en-US"/>
           </a:p>
@@ -753,7 +753,7 @@
           <a:p>
             <a:fld id="{0CEC7AB2-AA32-4998-AA84-6A80E9F12CF8}" type="datetimeFigureOut">
               <a:rPr lang="en-US" smtClean="0"/>
-              <a:t>12/04/21</a:t>
+              <a:t>19/04/21</a:t>
             </a:fld>
             <a:endParaRPr lang="en-US"/>
           </a:p>
@@ -940,7 +940,7 @@
           <a:p>
             <a:fld id="{0CEC7AB2-AA32-4998-AA84-6A80E9F12CF8}" type="datetimeFigureOut">
               <a:rPr lang="en-US" smtClean="0"/>
-              <a:t>12/04/21</a:t>
+              <a:t>19/04/21</a:t>
             </a:fld>
             <a:endParaRPr lang="en-US"/>
           </a:p>
@@ -1037,7 +1037,7 @@
           <a:p>
             <a:fld id="{0CEC7AB2-AA32-4998-AA84-6A80E9F12CF8}" type="datetimeFigureOut">
               <a:rPr lang="en-US" smtClean="0"/>
-              <a:t>12/04/21</a:t>
+              <a:t>19/04/21</a:t>
             </a:fld>
             <a:endParaRPr lang="en-US"/>
           </a:p>
@@ -1633,7 +1633,7 @@
           <a:p>
             <a:fld id="{0CEC7AB2-AA32-4998-AA84-6A80E9F12CF8}" type="datetimeFigureOut">
               <a:rPr lang="en-US" smtClean="0"/>
-              <a:t>12/04/21</a:t>
+              <a:t>19/04/21</a:t>
             </a:fld>
             <a:endParaRPr lang="en-US"/>
           </a:p>
@@ -1730,7 +1730,7 @@
           <a:p>
             <a:fld id="{0CEC7AB2-AA32-4998-AA84-6A80E9F12CF8}" type="datetimeFigureOut">
               <a:rPr lang="en-US" smtClean="0"/>
-              <a:t>12/04/21</a:t>
+              <a:t>19/04/21</a:t>
             </a:fld>
             <a:endParaRPr lang="en-US"/>
           </a:p>
@@ -2335,7 +2335,7 @@
           <a:p>
             <a:fld id="{0CEC7AB2-AA32-4998-AA84-6A80E9F12CF8}" type="datetimeFigureOut">
               <a:rPr lang="en-US" smtClean="0"/>
-              <a:t>12/04/21</a:t>
+              <a:t>19/04/21</a:t>
             </a:fld>
             <a:endParaRPr lang="en-US"/>
           </a:p>
@@ -2478,7 +2478,7 @@
           <a:p>
             <a:fld id="{0CEC7AB2-AA32-4998-AA84-6A80E9F12CF8}" type="datetimeFigureOut">
               <a:rPr lang="en-US" smtClean="0"/>
-              <a:t>12/04/21</a:t>
+              <a:t>19/04/21</a:t>
             </a:fld>
             <a:endParaRPr lang="en-US"/>
           </a:p>
@@ -2575,7 +2575,7 @@
           <a:p>
             <a:fld id="{0CEC7AB2-AA32-4998-AA84-6A80E9F12CF8}" type="datetimeFigureOut">
               <a:rPr lang="en-US" smtClean="0"/>
-              <a:t>12/04/21</a:t>
+              <a:t>19/04/21</a:t>
             </a:fld>
             <a:endParaRPr lang="en-US"/>
           </a:p>
@@ -2859,7 +2859,7 @@
           <a:p>
             <a:fld id="{0CEC7AB2-AA32-4998-AA84-6A80E9F12CF8}" type="datetimeFigureOut">
               <a:rPr lang="en-US" smtClean="0"/>
-              <a:t>12/04/21</a:t>
+              <a:t>19/04/21</a:t>
             </a:fld>
             <a:endParaRPr lang="en-US"/>
           </a:p>
@@ -3381,7 +3381,7 @@
           <a:p>
             <a:fld id="{0CEC7AB2-AA32-4998-AA84-6A80E9F12CF8}" type="datetimeFigureOut">
               <a:rPr lang="en-US" smtClean="0"/>
-              <a:t>12/04/21</a:t>
+              <a:t>19/04/21</a:t>
             </a:fld>
             <a:endParaRPr lang="en-US"/>
           </a:p>
@@ -3901,7 +3901,7 @@
           <a:p>
             <a:fld id="{0CEC7AB2-AA32-4998-AA84-6A80E9F12CF8}" type="datetimeFigureOut">
               <a:rPr lang="en-US" smtClean="0"/>
-              <a:t>12/04/21</a:t>
+              <a:t>19/04/21</a:t>
             </a:fld>
             <a:endParaRPr lang="en-US"/>
           </a:p>
@@ -4572,7 +4572,14 @@
                 <a:latin typeface="Times New Roman" pitchFamily="18" charset="0"/>
                 <a:cs typeface="Times New Roman" pitchFamily="18" charset="0"/>
               </a:rPr>
-              <a:t>Mô hình các thực thể có quan hệ với bảng Users </a:t>
+              <a:t>Mô hình các thực thể có quan hệ với bảng </a:t>
+            </a:r>
+            <a:r>
+              <a:rPr lang="en-US" sz="2000" smtClean="0">
+                <a:latin typeface="Times New Roman" pitchFamily="18" charset="0"/>
+                <a:cs typeface="Times New Roman" pitchFamily="18" charset="0"/>
+              </a:rPr>
+              <a:t>Orders </a:t>
             </a:r>
             <a:r>
               <a:rPr lang="en-US" sz="2000" smtClean="0">
@@ -4590,8 +4597,10 @@
       </p:sp>
       <p:pic>
         <p:nvPicPr>
-          <p:cNvPr id="4" name="Picture 3"/>
-          <p:cNvPicPr/>
+          <p:cNvPr id="1026" name="Picture 2"/>
+          <p:cNvPicPr>
+            <a:picLocks noChangeAspect="1" noChangeArrowheads="1"/>
+          </p:cNvPicPr>
           <p:nvPr/>
         </p:nvPicPr>
         <p:blipFill>
@@ -4609,8 +4618,8 @@
         </p:blipFill>
         <p:spPr bwMode="auto">
           <a:xfrm>
-            <a:off x="1447800" y="1295400"/>
-            <a:ext cx="6248400" cy="4495800"/>
+            <a:off x="1214438" y="1252538"/>
+            <a:ext cx="6715125" cy="4767262"/>
           </a:xfrm>
           <a:prstGeom prst="rect">
             <a:avLst/>
@@ -4619,6 +4628,35 @@
           <a:ln>
             <a:noFill/>
           </a:ln>
+          <a:effectLst/>
+          <a:extLst>
+            <a:ext uri="{909E8E84-426E-40DD-AFC4-6F175D3DCCD1}">
+              <a14:hiddenFill xmlns:a14="http://schemas.microsoft.com/office/drawing/2010/main">
+                <a:solidFill>
+                  <a:schemeClr val="accent1"/>
+                </a:solidFill>
+              </a14:hiddenFill>
+            </a:ext>
+            <a:ext uri="{91240B29-F687-4F45-9708-019B960494DF}">
+              <a14:hiddenLine xmlns:a14="http://schemas.microsoft.com/office/drawing/2010/main" w="9525">
+                <a:solidFill>
+                  <a:schemeClr val="tx1"/>
+                </a:solidFill>
+                <a:miter lim="800000"/>
+                <a:headEnd/>
+                <a:tailEnd/>
+              </a14:hiddenLine>
+            </a:ext>
+            <a:ext uri="{AF507438-7753-43E0-B8FC-AC1667EBCBE1}">
+              <a14:hiddenEffects xmlns:a14="http://schemas.microsoft.com/office/drawing/2010/main">
+                <a:effectLst>
+                  <a:outerShdw dist="35921" dir="2700000" algn="ctr" rotWithShape="0">
+                    <a:schemeClr val="bg2"/>
+                  </a:outerShdw>
+                </a:effectLst>
+              </a14:hiddenEffects>
+            </a:ext>
+          </a:extLst>
         </p:spPr>
       </p:pic>
     </p:spTree>
@@ -5097,11 +5135,7 @@
             </a:r>
             <a:r>
               <a:rPr lang="en-US"/>
-              <a:t>NGÔN NGỮ LẬP TRÌNH </a:t>
-            </a:r>
-            <a:r>
-              <a:rPr lang="en-US"/>
-              <a:t>ASP.NET </a:t>
+              <a:t>NGÔN NGỮ LẬP TRÌNH ASP.NET </a:t>
             </a:r>
             <a:r>
               <a:rPr lang="en-US" smtClean="0"/>
@@ -5789,14 +5823,7 @@
                 <a:latin typeface="Times New Roman" pitchFamily="18" charset="0"/>
                 <a:cs typeface="Times New Roman" pitchFamily="18" charset="0"/>
               </a:rPr>
-              <a:t>Thiết kế cơ sở </a:t>
-            </a:r>
-            <a:r>
-              <a:rPr lang="en-US" sz="2500">
-                <a:latin typeface="Times New Roman" pitchFamily="18" charset="0"/>
-                <a:cs typeface="Times New Roman" pitchFamily="18" charset="0"/>
-              </a:rPr>
-              <a:t>dữ </a:t>
+              <a:t>Thiết kế cơ sở dữ </a:t>
             </a:r>
             <a:r>
               <a:rPr lang="en-US" sz="2500" smtClean="0">
